--- a/reports/Figure_1.pptx
+++ b/reports/Figure_1.pptx
@@ -104,6 +104,11 @@
       </a:defRPr>
     </a:lvl9pPr>
   </p:defaultTextStyle>
+  <p:extLst>
+    <p:ext uri="{EFAFB233-063F-42B5-8137-9DF3F51BA10A}">
+      <p15:sldGuideLst xmlns:p15="http://schemas.microsoft.com/office/powerpoint/2012/main"/>
+    </p:ext>
+  </p:extLst>
 </p:presentation>
 </file>
 
@@ -254,7 +259,7 @@
           <a:p>
             <a:fld id="{FB413A74-5A13-CA4B-A4D8-40F4B9F5EBB2}" type="datetimeFigureOut">
               <a:rPr lang="fr-FR" smtClean="0"/>
-              <a:t>10/12/2025</a:t>
+              <a:t>11/12/2025</a:t>
             </a:fld>
             <a:endParaRPr lang="fr-FR"/>
           </a:p>
@@ -452,7 +457,7 @@
           <a:p>
             <a:fld id="{FB413A74-5A13-CA4B-A4D8-40F4B9F5EBB2}" type="datetimeFigureOut">
               <a:rPr lang="fr-FR" smtClean="0"/>
-              <a:t>10/12/2025</a:t>
+              <a:t>11/12/2025</a:t>
             </a:fld>
             <a:endParaRPr lang="fr-FR"/>
           </a:p>
@@ -660,7 +665,7 @@
           <a:p>
             <a:fld id="{FB413A74-5A13-CA4B-A4D8-40F4B9F5EBB2}" type="datetimeFigureOut">
               <a:rPr lang="fr-FR" smtClean="0"/>
-              <a:t>10/12/2025</a:t>
+              <a:t>11/12/2025</a:t>
             </a:fld>
             <a:endParaRPr lang="fr-FR"/>
           </a:p>
@@ -858,7 +863,7 @@
           <a:p>
             <a:fld id="{FB413A74-5A13-CA4B-A4D8-40F4B9F5EBB2}" type="datetimeFigureOut">
               <a:rPr lang="fr-FR" smtClean="0"/>
-              <a:t>10/12/2025</a:t>
+              <a:t>11/12/2025</a:t>
             </a:fld>
             <a:endParaRPr lang="fr-FR"/>
           </a:p>
@@ -1133,7 +1138,7 @@
           <a:p>
             <a:fld id="{FB413A74-5A13-CA4B-A4D8-40F4B9F5EBB2}" type="datetimeFigureOut">
               <a:rPr lang="fr-FR" smtClean="0"/>
-              <a:t>10/12/2025</a:t>
+              <a:t>11/12/2025</a:t>
             </a:fld>
             <a:endParaRPr lang="fr-FR"/>
           </a:p>
@@ -1398,7 +1403,7 @@
           <a:p>
             <a:fld id="{FB413A74-5A13-CA4B-A4D8-40F4B9F5EBB2}" type="datetimeFigureOut">
               <a:rPr lang="fr-FR" smtClean="0"/>
-              <a:t>10/12/2025</a:t>
+              <a:t>11/12/2025</a:t>
             </a:fld>
             <a:endParaRPr lang="fr-FR"/>
           </a:p>
@@ -1810,7 +1815,7 @@
           <a:p>
             <a:fld id="{FB413A74-5A13-CA4B-A4D8-40F4B9F5EBB2}" type="datetimeFigureOut">
               <a:rPr lang="fr-FR" smtClean="0"/>
-              <a:t>10/12/2025</a:t>
+              <a:t>11/12/2025</a:t>
             </a:fld>
             <a:endParaRPr lang="fr-FR"/>
           </a:p>
@@ -1951,7 +1956,7 @@
           <a:p>
             <a:fld id="{FB413A74-5A13-CA4B-A4D8-40F4B9F5EBB2}" type="datetimeFigureOut">
               <a:rPr lang="fr-FR" smtClean="0"/>
-              <a:t>10/12/2025</a:t>
+              <a:t>11/12/2025</a:t>
             </a:fld>
             <a:endParaRPr lang="fr-FR"/>
           </a:p>
@@ -2064,7 +2069,7 @@
           <a:p>
             <a:fld id="{FB413A74-5A13-CA4B-A4D8-40F4B9F5EBB2}" type="datetimeFigureOut">
               <a:rPr lang="fr-FR" smtClean="0"/>
-              <a:t>10/12/2025</a:t>
+              <a:t>11/12/2025</a:t>
             </a:fld>
             <a:endParaRPr lang="fr-FR"/>
           </a:p>
@@ -2375,7 +2380,7 @@
           <a:p>
             <a:fld id="{FB413A74-5A13-CA4B-A4D8-40F4B9F5EBB2}" type="datetimeFigureOut">
               <a:rPr lang="fr-FR" smtClean="0"/>
-              <a:t>10/12/2025</a:t>
+              <a:t>11/12/2025</a:t>
             </a:fld>
             <a:endParaRPr lang="fr-FR"/>
           </a:p>
@@ -2663,7 +2668,7 @@
           <a:p>
             <a:fld id="{FB413A74-5A13-CA4B-A4D8-40F4B9F5EBB2}" type="datetimeFigureOut">
               <a:rPr lang="fr-FR" smtClean="0"/>
-              <a:t>10/12/2025</a:t>
+              <a:t>11/12/2025</a:t>
             </a:fld>
             <a:endParaRPr lang="fr-FR"/>
           </a:p>
@@ -2904,7 +2909,7 @@
           <a:p>
             <a:fld id="{FB413A74-5A13-CA4B-A4D8-40F4B9F5EBB2}" type="datetimeFigureOut">
               <a:rPr lang="fr-FR" smtClean="0"/>
-              <a:t>10/12/2025</a:t>
+              <a:t>11/12/2025</a:t>
             </a:fld>
             <a:endParaRPr lang="fr-FR"/>
           </a:p>
@@ -3323,10 +3328,10 @@
       </p:grpSpPr>
       <p:grpSp>
         <p:nvGrpSpPr>
-          <p:cNvPr id="10" name="Groupe 9">
-            <a:extLst>
-              <a:ext uri="{FF2B5EF4-FFF2-40B4-BE49-F238E27FC236}">
-                <a16:creationId xmlns:a16="http://schemas.microsoft.com/office/drawing/2014/main" id="{01A5CAB4-2521-41E6-8BDD-9D03F8EBE723}"/>
+          <p:cNvPr id="2" name="Groupe 1">
+            <a:extLst>
+              <a:ext uri="{FF2B5EF4-FFF2-40B4-BE49-F238E27FC236}">
+                <a16:creationId xmlns:a16="http://schemas.microsoft.com/office/drawing/2014/main" id="{A74F8BC3-5BAA-E7FF-FB72-8CAE47965F80}"/>
               </a:ext>
             </a:extLst>
           </p:cNvPr>
@@ -3357,9 +3362,8 @@
           </p:nvPicPr>
           <p:blipFill>
             <a:blip r:embed="rId2"/>
-            <a:stretch>
-              <a:fillRect/>
-            </a:stretch>
+            <a:srcRect/>
+            <a:stretch/>
           </p:blipFill>
           <p:spPr>
             <a:xfrm>
@@ -3387,9 +3391,8 @@
           </p:nvPicPr>
           <p:blipFill>
             <a:blip r:embed="rId3"/>
-            <a:stretch>
-              <a:fillRect/>
-            </a:stretch>
+            <a:srcRect/>
+            <a:stretch/>
           </p:blipFill>
           <p:spPr>
             <a:xfrm>
